--- a/docs/diagrams/FetchDisplayPicActivityDiagram.pptx
+++ b/docs/diagrams/FetchDisplayPicActivityDiagram.pptx
@@ -261,7 +261,7 @@
           <a:p>
             <a:fld id="{542F47FF-5056-41FF-A1F8-23A414798AA4}" type="datetimeFigureOut">
               <a:rPr lang="en-SG" smtClean="0"/>
-              <a:t>12/4/2018</a:t>
+              <a:t>15/4/2018</a:t>
             </a:fld>
             <a:endParaRPr lang="en-SG"/>
           </a:p>
@@ -461,7 +461,7 @@
           <a:p>
             <a:fld id="{542F47FF-5056-41FF-A1F8-23A414798AA4}" type="datetimeFigureOut">
               <a:rPr lang="en-SG" smtClean="0"/>
-              <a:t>12/4/2018</a:t>
+              <a:t>15/4/2018</a:t>
             </a:fld>
             <a:endParaRPr lang="en-SG"/>
           </a:p>
@@ -671,7 +671,7 @@
           <a:p>
             <a:fld id="{542F47FF-5056-41FF-A1F8-23A414798AA4}" type="datetimeFigureOut">
               <a:rPr lang="en-SG" smtClean="0"/>
-              <a:t>12/4/2018</a:t>
+              <a:t>15/4/2018</a:t>
             </a:fld>
             <a:endParaRPr lang="en-SG"/>
           </a:p>
@@ -871,7 +871,7 @@
           <a:p>
             <a:fld id="{542F47FF-5056-41FF-A1F8-23A414798AA4}" type="datetimeFigureOut">
               <a:rPr lang="en-SG" smtClean="0"/>
-              <a:t>12/4/2018</a:t>
+              <a:t>15/4/2018</a:t>
             </a:fld>
             <a:endParaRPr lang="en-SG"/>
           </a:p>
@@ -1147,7 +1147,7 @@
           <a:p>
             <a:fld id="{542F47FF-5056-41FF-A1F8-23A414798AA4}" type="datetimeFigureOut">
               <a:rPr lang="en-SG" smtClean="0"/>
-              <a:t>12/4/2018</a:t>
+              <a:t>15/4/2018</a:t>
             </a:fld>
             <a:endParaRPr lang="en-SG"/>
           </a:p>
@@ -1415,7 +1415,7 @@
           <a:p>
             <a:fld id="{542F47FF-5056-41FF-A1F8-23A414798AA4}" type="datetimeFigureOut">
               <a:rPr lang="en-SG" smtClean="0"/>
-              <a:t>12/4/2018</a:t>
+              <a:t>15/4/2018</a:t>
             </a:fld>
             <a:endParaRPr lang="en-SG"/>
           </a:p>
@@ -1830,7 +1830,7 @@
           <a:p>
             <a:fld id="{542F47FF-5056-41FF-A1F8-23A414798AA4}" type="datetimeFigureOut">
               <a:rPr lang="en-SG" smtClean="0"/>
-              <a:t>12/4/2018</a:t>
+              <a:t>15/4/2018</a:t>
             </a:fld>
             <a:endParaRPr lang="en-SG"/>
           </a:p>
@@ -1972,7 +1972,7 @@
           <a:p>
             <a:fld id="{542F47FF-5056-41FF-A1F8-23A414798AA4}" type="datetimeFigureOut">
               <a:rPr lang="en-SG" smtClean="0"/>
-              <a:t>12/4/2018</a:t>
+              <a:t>15/4/2018</a:t>
             </a:fld>
             <a:endParaRPr lang="en-SG"/>
           </a:p>
@@ -2085,7 +2085,7 @@
           <a:p>
             <a:fld id="{542F47FF-5056-41FF-A1F8-23A414798AA4}" type="datetimeFigureOut">
               <a:rPr lang="en-SG" smtClean="0"/>
-              <a:t>12/4/2018</a:t>
+              <a:t>15/4/2018</a:t>
             </a:fld>
             <a:endParaRPr lang="en-SG"/>
           </a:p>
@@ -2398,7 +2398,7 @@
           <a:p>
             <a:fld id="{542F47FF-5056-41FF-A1F8-23A414798AA4}" type="datetimeFigureOut">
               <a:rPr lang="en-SG" smtClean="0"/>
-              <a:t>12/4/2018</a:t>
+              <a:t>15/4/2018</a:t>
             </a:fld>
             <a:endParaRPr lang="en-SG"/>
           </a:p>
@@ -2687,7 +2687,7 @@
           <a:p>
             <a:fld id="{542F47FF-5056-41FF-A1F8-23A414798AA4}" type="datetimeFigureOut">
               <a:rPr lang="en-SG" smtClean="0"/>
-              <a:t>12/4/2018</a:t>
+              <a:t>15/4/2018</a:t>
             </a:fld>
             <a:endParaRPr lang="en-SG"/>
           </a:p>
@@ -2930,7 +2930,7 @@
           <a:p>
             <a:fld id="{542F47FF-5056-41FF-A1F8-23A414798AA4}" type="datetimeFigureOut">
               <a:rPr lang="en-SG" smtClean="0"/>
-              <a:t>12/4/2018</a:t>
+              <a:t>15/4/2018</a:t>
             </a:fld>
             <a:endParaRPr lang="en-SG"/>
           </a:p>
@@ -3587,68 +3587,19 @@
       </p:sp>
       <p:sp>
         <p:nvSpPr>
-          <p:cNvPr id="46" name="Diamond 45">
-            <a:extLst>
-              <a:ext uri="{FF2B5EF4-FFF2-40B4-BE49-F238E27FC236}">
-                <a16:creationId xmlns:a16="http://schemas.microsoft.com/office/drawing/2014/main" id="{FDB4A38F-F816-4320-82EB-071E9BA2EFAB}"/>
-              </a:ext>
-            </a:extLst>
-          </p:cNvPr>
-          <p:cNvSpPr/>
+          <p:cNvPr id="47" name="TextBox 46">
+            <a:extLst>
+              <a:ext uri="{FF2B5EF4-FFF2-40B4-BE49-F238E27FC236}">
+                <a16:creationId xmlns:a16="http://schemas.microsoft.com/office/drawing/2014/main" id="{791A7435-1CBD-4D64-B373-CDF617409EFD}"/>
+              </a:ext>
+            </a:extLst>
+          </p:cNvPr>
+          <p:cNvSpPr txBox="1"/>
           <p:nvPr/>
         </p:nvSpPr>
         <p:spPr>
           <a:xfrm>
-            <a:off x="11180370" y="3064349"/>
-            <a:ext cx="480766" cy="480766"/>
-          </a:xfrm>
-          <a:prstGeom prst="diamond">
-            <a:avLst/>
-          </a:prstGeom>
-        </p:spPr>
-        <p:style>
-          <a:lnRef idx="1">
-            <a:schemeClr val="accent6"/>
-          </a:lnRef>
-          <a:fillRef idx="2">
-            <a:schemeClr val="accent6"/>
-          </a:fillRef>
-          <a:effectRef idx="1">
-            <a:schemeClr val="accent6"/>
-          </a:effectRef>
-          <a:fontRef idx="minor">
-            <a:schemeClr val="dk1"/>
-          </a:fontRef>
-        </p:style>
-        <p:txBody>
-          <a:bodyPr rot="0" spcFirstLastPara="0" vertOverflow="overflow" horzOverflow="overflow" vert="horz" wrap="square" lIns="91440" tIns="45721" rIns="91440" bIns="45721" numCol="1" spcCol="0" rtlCol="0" fromWordArt="0" anchor="ctr" anchorCtr="0" forceAA="0" compatLnSpc="1">
-            <a:prstTxWarp prst="textNoShape">
-              <a:avLst/>
-            </a:prstTxWarp>
-            <a:noAutofit/>
-          </a:bodyPr>
-          <a:lstStyle/>
-          <a:p>
-            <a:pPr algn="ctr"/>
-            <a:endParaRPr lang="en-SG" sz="1801"/>
-          </a:p>
-        </p:txBody>
-      </p:sp>
-      <p:sp>
-        <p:nvSpPr>
-          <p:cNvPr id="47" name="TextBox 46">
-            <a:extLst>
-              <a:ext uri="{FF2B5EF4-FFF2-40B4-BE49-F238E27FC236}">
-                <a16:creationId xmlns:a16="http://schemas.microsoft.com/office/drawing/2014/main" id="{791A7435-1CBD-4D64-B373-CDF617409EFD}"/>
-              </a:ext>
-            </a:extLst>
-          </p:cNvPr>
-          <p:cNvSpPr txBox="1"/>
-          <p:nvPr/>
-        </p:nvSpPr>
-        <p:spPr>
-          <a:xfrm>
-            <a:off x="4250915" y="4159280"/>
+            <a:off x="4250915" y="3873764"/>
             <a:ext cx="853127" cy="369460"/>
           </a:xfrm>
           <a:prstGeom prst="rect">
@@ -3683,7 +3634,7 @@
         </p:nvSpPr>
         <p:spPr>
           <a:xfrm>
-            <a:off x="3562958" y="1773329"/>
+            <a:off x="2830081" y="2398855"/>
             <a:ext cx="2273961" cy="369460"/>
           </a:xfrm>
           <a:prstGeom prst="rect">
@@ -4084,18 +4035,21 @@
         <p:nvCxnSpPr>
           <p:cNvPr id="74" name="Elbow Connector 73"/>
           <p:cNvCxnSpPr>
+            <a:cxnSpLocks/>
             <a:stCxn id="51" idx="3"/>
-            <a:endCxn id="46" idx="0"/>
+            <a:endCxn id="63" idx="1"/>
           </p:cNvCxnSpPr>
           <p:nvPr/>
         </p:nvCxnSpPr>
         <p:spPr>
           <a:xfrm>
             <a:off x="10735749" y="2173755"/>
-            <a:ext cx="685004" cy="890594"/>
+            <a:ext cx="1625160" cy="1133251"/>
           </a:xfrm>
-          <a:prstGeom prst="bentConnector2">
-            <a:avLst/>
+          <a:prstGeom prst="bentConnector3">
+            <a:avLst>
+              <a:gd name="adj1" fmla="val 50000"/>
+            </a:avLst>
           </a:prstGeom>
           <a:ln>
             <a:tailEnd type="triangle"/>
@@ -4316,18 +4270,19 @@
           <p:cNvCxnSpPr>
             <a:cxnSpLocks/>
             <a:stCxn id="42" idx="2"/>
-            <a:endCxn id="46" idx="2"/>
+            <a:endCxn id="63" idx="1"/>
           </p:cNvCxnSpPr>
           <p:nvPr/>
         </p:nvCxnSpPr>
         <p:spPr>
           <a:xfrm rot="5400000" flipH="1" flipV="1">
-            <a:off x="9487531" y="2668243"/>
-            <a:ext cx="1056349" cy="2810093"/>
+            <a:off x="9838555" y="2079110"/>
+            <a:ext cx="1294458" cy="3750249"/>
           </a:xfrm>
-          <a:prstGeom prst="bentConnector3">
+          <a:prstGeom prst="bentConnector4">
             <a:avLst>
-              <a:gd name="adj1" fmla="val -21641"/>
+              <a:gd name="adj1" fmla="val -17660"/>
+              <a:gd name="adj2" fmla="val 78400"/>
             </a:avLst>
           </a:prstGeom>
           <a:ln>
@@ -4471,49 +4426,6 @@
           </a:p>
         </p:txBody>
       </p:sp>
-      <p:cxnSp>
-        <p:nvCxnSpPr>
-          <p:cNvPr id="70" name="Straight Arrow Connector 69">
-            <a:extLst>
-              <a:ext uri="{FF2B5EF4-FFF2-40B4-BE49-F238E27FC236}">
-                <a16:creationId xmlns:a16="http://schemas.microsoft.com/office/drawing/2014/main" id="{947640C8-1CDB-438D-83A6-3F7D91791F37}"/>
-              </a:ext>
-            </a:extLst>
-          </p:cNvPr>
-          <p:cNvCxnSpPr>
-            <a:cxnSpLocks/>
-            <a:stCxn id="46" idx="3"/>
-            <a:endCxn id="63" idx="1"/>
-          </p:cNvCxnSpPr>
-          <p:nvPr/>
-        </p:nvCxnSpPr>
-        <p:spPr>
-          <a:xfrm>
-            <a:off x="11661136" y="3304732"/>
-            <a:ext cx="699773" cy="2274"/>
-          </a:xfrm>
-          <a:prstGeom prst="straightConnector1">
-            <a:avLst/>
-          </a:prstGeom>
-          <a:ln>
-            <a:tailEnd type="triangle"/>
-          </a:ln>
-        </p:spPr>
-        <p:style>
-          <a:lnRef idx="1">
-            <a:schemeClr val="dk1"/>
-          </a:lnRef>
-          <a:fillRef idx="0">
-            <a:schemeClr val="dk1"/>
-          </a:fillRef>
-          <a:effectRef idx="0">
-            <a:schemeClr val="dk1"/>
-          </a:effectRef>
-          <a:fontRef idx="minor">
-            <a:schemeClr val="tx1"/>
-          </a:fontRef>
-        </p:style>
-      </p:cxnSp>
     </p:spTree>
     <p:extLst>
       <p:ext uri="{BB962C8B-B14F-4D97-AF65-F5344CB8AC3E}">
